--- a/Report Expo.pptx
+++ b/Report Expo.pptx
@@ -7,6 +7,9 @@
   <p:sldIdLst>
     <p:sldId id="256" r:id="rId2"/>
     <p:sldId id="257" r:id="rId3"/>
+    <p:sldId id="258" r:id="rId4"/>
+    <p:sldId id="259" r:id="rId5"/>
+    <p:sldId id="260" r:id="rId6"/>
   </p:sldIdLst>
   <p:sldSz cx="12192000" cy="6858000"/>
   <p:notesSz cx="6858000" cy="9144000"/>
@@ -105,6 +108,11 @@
       </a:defRPr>
     </a:lvl9pPr>
   </p:defaultTextStyle>
+  <p:extLst>
+    <p:ext uri="{EFAFB233-063F-42B5-8137-9DF3F51BA10A}">
+      <p15:sldGuideLst xmlns:p15="http://schemas.microsoft.com/office/powerpoint/2012/main"/>
+    </p:ext>
+  </p:extLst>
 </p:presentation>
 </file>
 
@@ -257,7 +265,7 @@
           <a:p>
             <a:fld id="{8B2E5B41-D7B9-4820-AC5F-FCC893C2895A}" type="datetimeFigureOut">
               <a:rPr lang="en-ID" smtClean="0"/>
-              <a:t>12/12/2019</a:t>
+              <a:t>16/12/2019</a:t>
             </a:fld>
             <a:endParaRPr lang="en-ID"/>
           </a:p>
@@ -457,7 +465,7 @@
           <a:p>
             <a:fld id="{8B2E5B41-D7B9-4820-AC5F-FCC893C2895A}" type="datetimeFigureOut">
               <a:rPr lang="en-ID" smtClean="0"/>
-              <a:t>12/12/2019</a:t>
+              <a:t>16/12/2019</a:t>
             </a:fld>
             <a:endParaRPr lang="en-ID"/>
           </a:p>
@@ -667,7 +675,7 @@
           <a:p>
             <a:fld id="{8B2E5B41-D7B9-4820-AC5F-FCC893C2895A}" type="datetimeFigureOut">
               <a:rPr lang="en-ID" smtClean="0"/>
-              <a:t>12/12/2019</a:t>
+              <a:t>16/12/2019</a:t>
             </a:fld>
             <a:endParaRPr lang="en-ID"/>
           </a:p>
@@ -867,7 +875,7 @@
           <a:p>
             <a:fld id="{8B2E5B41-D7B9-4820-AC5F-FCC893C2895A}" type="datetimeFigureOut">
               <a:rPr lang="en-ID" smtClean="0"/>
-              <a:t>12/12/2019</a:t>
+              <a:t>16/12/2019</a:t>
             </a:fld>
             <a:endParaRPr lang="en-ID"/>
           </a:p>
@@ -1143,7 +1151,7 @@
           <a:p>
             <a:fld id="{8B2E5B41-D7B9-4820-AC5F-FCC893C2895A}" type="datetimeFigureOut">
               <a:rPr lang="en-ID" smtClean="0"/>
-              <a:t>12/12/2019</a:t>
+              <a:t>16/12/2019</a:t>
             </a:fld>
             <a:endParaRPr lang="en-ID"/>
           </a:p>
@@ -1411,7 +1419,7 @@
           <a:p>
             <a:fld id="{8B2E5B41-D7B9-4820-AC5F-FCC893C2895A}" type="datetimeFigureOut">
               <a:rPr lang="en-ID" smtClean="0"/>
-              <a:t>12/12/2019</a:t>
+              <a:t>16/12/2019</a:t>
             </a:fld>
             <a:endParaRPr lang="en-ID"/>
           </a:p>
@@ -1826,7 +1834,7 @@
           <a:p>
             <a:fld id="{8B2E5B41-D7B9-4820-AC5F-FCC893C2895A}" type="datetimeFigureOut">
               <a:rPr lang="en-ID" smtClean="0"/>
-              <a:t>12/12/2019</a:t>
+              <a:t>16/12/2019</a:t>
             </a:fld>
             <a:endParaRPr lang="en-ID"/>
           </a:p>
@@ -1968,7 +1976,7 @@
           <a:p>
             <a:fld id="{8B2E5B41-D7B9-4820-AC5F-FCC893C2895A}" type="datetimeFigureOut">
               <a:rPr lang="en-ID" smtClean="0"/>
-              <a:t>12/12/2019</a:t>
+              <a:t>16/12/2019</a:t>
             </a:fld>
             <a:endParaRPr lang="en-ID"/>
           </a:p>
@@ -2081,7 +2089,7 @@
           <a:p>
             <a:fld id="{8B2E5B41-D7B9-4820-AC5F-FCC893C2895A}" type="datetimeFigureOut">
               <a:rPr lang="en-ID" smtClean="0"/>
-              <a:t>12/12/2019</a:t>
+              <a:t>16/12/2019</a:t>
             </a:fld>
             <a:endParaRPr lang="en-ID"/>
           </a:p>
@@ -2394,7 +2402,7 @@
           <a:p>
             <a:fld id="{8B2E5B41-D7B9-4820-AC5F-FCC893C2895A}" type="datetimeFigureOut">
               <a:rPr lang="en-ID" smtClean="0"/>
-              <a:t>12/12/2019</a:t>
+              <a:t>16/12/2019</a:t>
             </a:fld>
             <a:endParaRPr lang="en-ID"/>
           </a:p>
@@ -2683,7 +2691,7 @@
           <a:p>
             <a:fld id="{8B2E5B41-D7B9-4820-AC5F-FCC893C2895A}" type="datetimeFigureOut">
               <a:rPr lang="en-ID" smtClean="0"/>
-              <a:t>12/12/2019</a:t>
+              <a:t>16/12/2019</a:t>
             </a:fld>
             <a:endParaRPr lang="en-ID"/>
           </a:p>
@@ -2926,7 +2934,7 @@
           <a:p>
             <a:fld id="{8B2E5B41-D7B9-4820-AC5F-FCC893C2895A}" type="datetimeFigureOut">
               <a:rPr lang="en-ID" smtClean="0"/>
-              <a:t>12/12/2019</a:t>
+              <a:t>16/12/2019</a:t>
             </a:fld>
             <a:endParaRPr lang="en-ID"/>
           </a:p>
@@ -3488,35 +3496,612 @@
           </a:p>
         </p:txBody>
       </p:sp>
-      <p:sp>
-        <p:nvSpPr>
-          <p:cNvPr id="3" name="Content Placeholder 2">
-            <a:extLst>
-              <a:ext uri="{FF2B5EF4-FFF2-40B4-BE49-F238E27FC236}">
-                <a16:creationId xmlns:a16="http://schemas.microsoft.com/office/drawing/2014/main" id="{B2631DA9-8678-4948-9A60-56D75F11A077}"/>
-              </a:ext>
-            </a:extLst>
-          </p:cNvPr>
-          <p:cNvSpPr>
-            <a:spLocks noGrp="1"/>
-          </p:cNvSpPr>
-          <p:nvPr>
-            <p:ph idx="1"/>
-          </p:nvPr>
-        </p:nvSpPr>
-        <p:spPr/>
-        <p:txBody>
-          <a:bodyPr/>
-          <a:lstStyle/>
-          <a:p>
-            <a:endParaRPr lang="en-ID"/>
-          </a:p>
-        </p:txBody>
-      </p:sp>
+      <p:pic>
+        <p:nvPicPr>
+          <p:cNvPr id="1026" name="Picture 2" descr="Forms response chart. Question title: Apakah tampilan aplikasi mudah dipahami /dimengerti ?. Number of responses: 42 responses.">
+            <a:extLst>
+              <a:ext uri="{FF2B5EF4-FFF2-40B4-BE49-F238E27FC236}">
+                <a16:creationId xmlns:a16="http://schemas.microsoft.com/office/drawing/2014/main" id="{3AC371EB-018A-4797-AE15-2BCBCF0F2FDB}"/>
+              </a:ext>
+            </a:extLst>
+          </p:cNvPr>
+          <p:cNvPicPr>
+            <a:picLocks noChangeAspect="1" noChangeArrowheads="1"/>
+          </p:cNvPicPr>
+          <p:nvPr/>
+        </p:nvPicPr>
+        <p:blipFill rotWithShape="1">
+          <a:blip r:embed="rId2">
+            <a:extLst>
+              <a:ext uri="{28A0092B-C50C-407E-A947-70E740481C1C}">
+                <a14:useLocalDpi xmlns:a14="http://schemas.microsoft.com/office/drawing/2010/main" val="0"/>
+              </a:ext>
+            </a:extLst>
+          </a:blip>
+          <a:srcRect r="14795"/>
+          <a:stretch/>
+        </p:blipFill>
+        <p:spPr bwMode="auto">
+          <a:xfrm>
+            <a:off x="443547" y="1456856"/>
+            <a:ext cx="5652453" cy="3059576"/>
+          </a:xfrm>
+          <a:prstGeom prst="rect">
+            <a:avLst/>
+          </a:prstGeom>
+          <a:noFill/>
+          <a:extLst>
+            <a:ext uri="{909E8E84-426E-40DD-AFC4-6F175D3DCCD1}">
+              <a14:hiddenFill xmlns:a14="http://schemas.microsoft.com/office/drawing/2010/main">
+                <a:solidFill>
+                  <a:srgbClr val="FFFFFF"/>
+                </a:solidFill>
+              </a14:hiddenFill>
+            </a:ext>
+          </a:extLst>
+        </p:spPr>
+      </p:pic>
+      <p:pic>
+        <p:nvPicPr>
+          <p:cNvPr id="1028" name="Picture 4" descr="Forms response chart. Question title: Apakah tampilan aplikasi mudah untuk digunakan?. Number of responses: 42 responses.">
+            <a:extLst>
+              <a:ext uri="{FF2B5EF4-FFF2-40B4-BE49-F238E27FC236}">
+                <a16:creationId xmlns:a16="http://schemas.microsoft.com/office/drawing/2014/main" id="{B8378B99-5597-4633-A282-6EB4C9F4384E}"/>
+              </a:ext>
+            </a:extLst>
+          </p:cNvPr>
+          <p:cNvPicPr>
+            <a:picLocks noChangeAspect="1" noChangeArrowheads="1"/>
+          </p:cNvPicPr>
+          <p:nvPr/>
+        </p:nvPicPr>
+        <p:blipFill rotWithShape="1">
+          <a:blip r:embed="rId3">
+            <a:extLst>
+              <a:ext uri="{28A0092B-C50C-407E-A947-70E740481C1C}">
+                <a14:useLocalDpi xmlns:a14="http://schemas.microsoft.com/office/drawing/2010/main" val="0"/>
+              </a:ext>
+            </a:extLst>
+          </a:blip>
+          <a:srcRect r="17339"/>
+          <a:stretch/>
+        </p:blipFill>
+        <p:spPr bwMode="auto">
+          <a:xfrm>
+            <a:off x="6220917" y="1456856"/>
+            <a:ext cx="5438755" cy="3034478"/>
+          </a:xfrm>
+          <a:prstGeom prst="rect">
+            <a:avLst/>
+          </a:prstGeom>
+          <a:noFill/>
+          <a:extLst>
+            <a:ext uri="{909E8E84-426E-40DD-AFC4-6F175D3DCCD1}">
+              <a14:hiddenFill xmlns:a14="http://schemas.microsoft.com/office/drawing/2010/main">
+                <a:solidFill>
+                  <a:srgbClr val="FFFFFF"/>
+                </a:solidFill>
+              </a14:hiddenFill>
+            </a:ext>
+          </a:extLst>
+        </p:spPr>
+      </p:pic>
+      <p:pic>
+        <p:nvPicPr>
+          <p:cNvPr id="1030" name="Picture 6" descr="Forms response chart. Question title: Apakah fitur pada aplikasi sudah memenuhi keinginan Anda dalam mencari pakaian untuk bayi?. Number of responses: 42 responses.">
+            <a:extLst>
+              <a:ext uri="{FF2B5EF4-FFF2-40B4-BE49-F238E27FC236}">
+                <a16:creationId xmlns:a16="http://schemas.microsoft.com/office/drawing/2014/main" id="{BE2F35CD-824F-40CC-A525-18B9EBB51BE4}"/>
+              </a:ext>
+            </a:extLst>
+          </p:cNvPr>
+          <p:cNvPicPr>
+            <a:picLocks noChangeAspect="1" noChangeArrowheads="1"/>
+          </p:cNvPicPr>
+          <p:nvPr/>
+        </p:nvPicPr>
+        <p:blipFill rotWithShape="1">
+          <a:blip r:embed="rId4">
+            <a:extLst>
+              <a:ext uri="{28A0092B-C50C-407E-A947-70E740481C1C}">
+                <a14:useLocalDpi xmlns:a14="http://schemas.microsoft.com/office/drawing/2010/main" val="0"/>
+              </a:ext>
+            </a:extLst>
+          </a:blip>
+          <a:srcRect t="4827" r="2243" b="6769"/>
+          <a:stretch/>
+        </p:blipFill>
+        <p:spPr bwMode="auto">
+          <a:xfrm>
+            <a:off x="2849571" y="4197247"/>
+            <a:ext cx="5884518" cy="2660754"/>
+          </a:xfrm>
+          <a:prstGeom prst="rect">
+            <a:avLst/>
+          </a:prstGeom>
+          <a:noFill/>
+          <a:extLst>
+            <a:ext uri="{909E8E84-426E-40DD-AFC4-6F175D3DCCD1}">
+              <a14:hiddenFill xmlns:a14="http://schemas.microsoft.com/office/drawing/2010/main">
+                <a:solidFill>
+                  <a:srgbClr val="FFFFFF"/>
+                </a:solidFill>
+              </a14:hiddenFill>
+            </a:ext>
+          </a:extLst>
+        </p:spPr>
+      </p:pic>
     </p:spTree>
     <p:extLst>
       <p:ext uri="{BB962C8B-B14F-4D97-AF65-F5344CB8AC3E}">
         <p14:creationId xmlns:p14="http://schemas.microsoft.com/office/powerpoint/2010/main" val="3478453781"/>
+      </p:ext>
+    </p:extLst>
+  </p:cSld>
+  <p:clrMapOvr>
+    <a:masterClrMapping/>
+  </p:clrMapOvr>
+</p:sld>
+</file>
+
+<file path=ppt/slides/slide3.xml><?xml version="1.0" encoding="utf-8"?>
+<p:sld xmlns:a="http://schemas.openxmlformats.org/drawingml/2006/main" xmlns:r="http://schemas.openxmlformats.org/officeDocument/2006/relationships" xmlns:p="http://schemas.openxmlformats.org/presentationml/2006/main">
+  <p:cSld>
+    <p:spTree>
+      <p:nvGrpSpPr>
+        <p:cNvPr id="1" name=""/>
+        <p:cNvGrpSpPr/>
+        <p:nvPr/>
+      </p:nvGrpSpPr>
+      <p:grpSpPr>
+        <a:xfrm>
+          <a:off x="0" y="0"/>
+          <a:ext cx="0" cy="0"/>
+          <a:chOff x="0" y="0"/>
+          <a:chExt cx="0" cy="0"/>
+        </a:xfrm>
+      </p:grpSpPr>
+      <p:sp>
+        <p:nvSpPr>
+          <p:cNvPr id="2" name="Title 1">
+            <a:extLst>
+              <a:ext uri="{FF2B5EF4-FFF2-40B4-BE49-F238E27FC236}">
+                <a16:creationId xmlns:a16="http://schemas.microsoft.com/office/drawing/2014/main" id="{825DC436-E0AA-4932-B7FA-18C67D25A832}"/>
+              </a:ext>
+            </a:extLst>
+          </p:cNvPr>
+          <p:cNvSpPr>
+            <a:spLocks noGrp="1"/>
+          </p:cNvSpPr>
+          <p:nvPr>
+            <p:ph type="title"/>
+          </p:nvPr>
+        </p:nvSpPr>
+        <p:spPr/>
+        <p:txBody>
+          <a:bodyPr/>
+          <a:lstStyle/>
+          <a:p>
+            <a:r>
+              <a:rPr lang="en-US" dirty="0"/>
+              <a:t>Customer Review Summary</a:t>
+            </a:r>
+            <a:endParaRPr lang="en-ID" dirty="0"/>
+          </a:p>
+        </p:txBody>
+      </p:sp>
+      <p:sp>
+        <p:nvSpPr>
+          <p:cNvPr id="3" name="Content Placeholder 2">
+            <a:extLst>
+              <a:ext uri="{FF2B5EF4-FFF2-40B4-BE49-F238E27FC236}">
+                <a16:creationId xmlns:a16="http://schemas.microsoft.com/office/drawing/2014/main" id="{4B66200D-C403-4E68-8F19-643B125BE7FE}"/>
+              </a:ext>
+            </a:extLst>
+          </p:cNvPr>
+          <p:cNvSpPr>
+            <a:spLocks noGrp="1"/>
+          </p:cNvSpPr>
+          <p:nvPr>
+            <p:ph idx="1"/>
+          </p:nvPr>
+        </p:nvSpPr>
+        <p:spPr/>
+        <p:txBody>
+          <a:bodyPr/>
+          <a:lstStyle/>
+          <a:p>
+            <a:r>
+              <a:rPr lang="en-US" dirty="0"/>
+              <a:t>Rating </a:t>
+            </a:r>
+            <a:r>
+              <a:rPr lang="en-US" dirty="0" err="1"/>
+              <a:t>untuk</a:t>
+            </a:r>
+            <a:r>
+              <a:rPr lang="en-US" dirty="0"/>
+              <a:t> </a:t>
+            </a:r>
+            <a:r>
+              <a:rPr lang="en-US" dirty="0" err="1"/>
+              <a:t>tampilan</a:t>
+            </a:r>
+            <a:r>
+              <a:rPr lang="en-US" dirty="0"/>
+              <a:t> </a:t>
+            </a:r>
+            <a:r>
+              <a:rPr lang="en-US" dirty="0" err="1"/>
+              <a:t>aplikasi</a:t>
+            </a:r>
+            <a:r>
+              <a:rPr lang="en-US" dirty="0"/>
+              <a:t>: 3.79 </a:t>
+            </a:r>
+            <a:r>
+              <a:rPr lang="en-US" dirty="0" err="1"/>
+              <a:t>dari</a:t>
+            </a:r>
+            <a:r>
+              <a:rPr lang="en-US" dirty="0"/>
+              <a:t> 4</a:t>
+            </a:r>
+          </a:p>
+          <a:p>
+            <a:r>
+              <a:rPr lang="en-ID" dirty="0"/>
+              <a:t>Rating </a:t>
+            </a:r>
+            <a:r>
+              <a:rPr lang="en-ID" dirty="0" err="1"/>
+              <a:t>untuk</a:t>
+            </a:r>
+            <a:r>
+              <a:rPr lang="en-ID" dirty="0"/>
+              <a:t> </a:t>
+            </a:r>
+            <a:r>
+              <a:rPr lang="en-ID" dirty="0" err="1"/>
+              <a:t>fitur</a:t>
+            </a:r>
+            <a:r>
+              <a:rPr lang="en-ID" dirty="0"/>
+              <a:t> </a:t>
+            </a:r>
+            <a:r>
+              <a:rPr lang="en-ID" dirty="0" err="1"/>
+              <a:t>aplikasi</a:t>
+            </a:r>
+            <a:r>
+              <a:rPr lang="en-ID" dirty="0"/>
+              <a:t>: 3.81 </a:t>
+            </a:r>
+            <a:r>
+              <a:rPr lang="en-ID" dirty="0" err="1"/>
+              <a:t>dari</a:t>
+            </a:r>
+            <a:r>
+              <a:rPr lang="en-ID" dirty="0"/>
+              <a:t> 4</a:t>
+            </a:r>
+          </a:p>
+          <a:p>
+            <a:r>
+              <a:rPr lang="en-ID" dirty="0"/>
+              <a:t>Rating </a:t>
+            </a:r>
+            <a:r>
+              <a:rPr lang="en-ID" dirty="0" err="1"/>
+              <a:t>untuk</a:t>
+            </a:r>
+            <a:r>
+              <a:rPr lang="en-ID" dirty="0"/>
+              <a:t> </a:t>
+            </a:r>
+            <a:r>
+              <a:rPr lang="en-ID" dirty="0" err="1"/>
+              <a:t>respon</a:t>
+            </a:r>
+            <a:r>
+              <a:rPr lang="en-ID" dirty="0"/>
+              <a:t> yang </a:t>
+            </a:r>
+            <a:r>
+              <a:rPr lang="en-ID" dirty="0" err="1"/>
+              <a:t>diberikan</a:t>
+            </a:r>
+            <a:r>
+              <a:rPr lang="en-ID" dirty="0"/>
+              <a:t> </a:t>
+            </a:r>
+            <a:r>
+              <a:rPr lang="en-ID" dirty="0" err="1"/>
+              <a:t>aplikasi</a:t>
+            </a:r>
+            <a:r>
+              <a:rPr lang="en-ID" dirty="0"/>
+              <a:t>: 3.83 </a:t>
+            </a:r>
+            <a:r>
+              <a:rPr lang="en-ID" dirty="0" err="1"/>
+              <a:t>dari</a:t>
+            </a:r>
+            <a:r>
+              <a:rPr lang="en-ID" dirty="0"/>
+              <a:t> 4</a:t>
+            </a:r>
+          </a:p>
+          <a:p>
+            <a:pPr marL="0" indent="0">
+              <a:buNone/>
+            </a:pPr>
+            <a:endParaRPr lang="en-ID" dirty="0"/>
+          </a:p>
+        </p:txBody>
+      </p:sp>
+    </p:spTree>
+    <p:extLst>
+      <p:ext uri="{BB962C8B-B14F-4D97-AF65-F5344CB8AC3E}">
+        <p14:creationId xmlns:p14="http://schemas.microsoft.com/office/powerpoint/2010/main" val="3445172864"/>
+      </p:ext>
+    </p:extLst>
+  </p:cSld>
+  <p:clrMapOvr>
+    <a:masterClrMapping/>
+  </p:clrMapOvr>
+</p:sld>
+</file>
+
+<file path=ppt/slides/slide4.xml><?xml version="1.0" encoding="utf-8"?>
+<p:sld xmlns:a="http://schemas.openxmlformats.org/drawingml/2006/main" xmlns:r="http://schemas.openxmlformats.org/officeDocument/2006/relationships" xmlns:p="http://schemas.openxmlformats.org/presentationml/2006/main">
+  <p:cSld>
+    <p:spTree>
+      <p:nvGrpSpPr>
+        <p:cNvPr id="1" name=""/>
+        <p:cNvGrpSpPr/>
+        <p:nvPr/>
+      </p:nvGrpSpPr>
+      <p:grpSpPr>
+        <a:xfrm>
+          <a:off x="0" y="0"/>
+          <a:ext cx="0" cy="0"/>
+          <a:chOff x="0" y="0"/>
+          <a:chExt cx="0" cy="0"/>
+        </a:xfrm>
+      </p:grpSpPr>
+      <p:sp>
+        <p:nvSpPr>
+          <p:cNvPr id="2" name="Title 1">
+            <a:extLst>
+              <a:ext uri="{FF2B5EF4-FFF2-40B4-BE49-F238E27FC236}">
+                <a16:creationId xmlns:a16="http://schemas.microsoft.com/office/drawing/2014/main" id="{3BCEBD65-3DBC-4344-A470-1CD4A5EE425C}"/>
+              </a:ext>
+            </a:extLst>
+          </p:cNvPr>
+          <p:cNvSpPr>
+            <a:spLocks noGrp="1"/>
+          </p:cNvSpPr>
+          <p:nvPr>
+            <p:ph type="title"/>
+          </p:nvPr>
+        </p:nvSpPr>
+        <p:spPr/>
+        <p:txBody>
+          <a:bodyPr/>
+          <a:lstStyle/>
+          <a:p>
+            <a:r>
+              <a:rPr lang="en-US" dirty="0" err="1"/>
+              <a:t>Kendala</a:t>
+            </a:r>
+            <a:r>
+              <a:rPr lang="en-US" dirty="0"/>
+              <a:t> yang </a:t>
+            </a:r>
+            <a:r>
+              <a:rPr lang="en-US" dirty="0" err="1"/>
+              <a:t>Dialami</a:t>
+            </a:r>
+            <a:r>
+              <a:rPr lang="en-US" dirty="0"/>
+              <a:t> User:</a:t>
+            </a:r>
+            <a:endParaRPr lang="en-ID" dirty="0"/>
+          </a:p>
+        </p:txBody>
+      </p:sp>
+      <p:sp>
+        <p:nvSpPr>
+          <p:cNvPr id="3" name="Content Placeholder 2">
+            <a:extLst>
+              <a:ext uri="{FF2B5EF4-FFF2-40B4-BE49-F238E27FC236}">
+                <a16:creationId xmlns:a16="http://schemas.microsoft.com/office/drawing/2014/main" id="{91EDAC56-7075-49CD-A937-4FD7E834961E}"/>
+              </a:ext>
+            </a:extLst>
+          </p:cNvPr>
+          <p:cNvSpPr>
+            <a:spLocks noGrp="1"/>
+          </p:cNvSpPr>
+          <p:nvPr>
+            <p:ph idx="1"/>
+          </p:nvPr>
+        </p:nvSpPr>
+        <p:spPr/>
+        <p:txBody>
+          <a:bodyPr/>
+          <a:lstStyle/>
+          <a:p>
+            <a:r>
+              <a:rPr lang="en-US" dirty="0"/>
+              <a:t>Alur </a:t>
+            </a:r>
+            <a:r>
+              <a:rPr lang="en-US" dirty="0" err="1"/>
+              <a:t>pemesanan</a:t>
+            </a:r>
+            <a:r>
+              <a:rPr lang="en-US" dirty="0"/>
+              <a:t> dan </a:t>
+            </a:r>
+            <a:r>
+              <a:rPr lang="en-US" dirty="0" err="1"/>
+              <a:t>pembayaran</a:t>
+            </a:r>
+            <a:endParaRPr lang="en-US" dirty="0"/>
+          </a:p>
+          <a:p>
+            <a:r>
+              <a:rPr lang="en-US" dirty="0"/>
+              <a:t>Update Quantity pada shopping Cart</a:t>
+            </a:r>
+          </a:p>
+          <a:p>
+            <a:pPr marL="0" indent="0">
+              <a:buNone/>
+            </a:pPr>
+            <a:endParaRPr lang="en-ID" dirty="0"/>
+          </a:p>
+        </p:txBody>
+      </p:sp>
+    </p:spTree>
+    <p:extLst>
+      <p:ext uri="{BB962C8B-B14F-4D97-AF65-F5344CB8AC3E}">
+        <p14:creationId xmlns:p14="http://schemas.microsoft.com/office/powerpoint/2010/main" val="3061879122"/>
+      </p:ext>
+    </p:extLst>
+  </p:cSld>
+  <p:clrMapOvr>
+    <a:masterClrMapping/>
+  </p:clrMapOvr>
+</p:sld>
+</file>
+
+<file path=ppt/slides/slide5.xml><?xml version="1.0" encoding="utf-8"?>
+<p:sld xmlns:a="http://schemas.openxmlformats.org/drawingml/2006/main" xmlns:r="http://schemas.openxmlformats.org/officeDocument/2006/relationships" xmlns:p="http://schemas.openxmlformats.org/presentationml/2006/main">
+  <p:cSld>
+    <p:spTree>
+      <p:nvGrpSpPr>
+        <p:cNvPr id="1" name=""/>
+        <p:cNvGrpSpPr/>
+        <p:nvPr/>
+      </p:nvGrpSpPr>
+      <p:grpSpPr>
+        <a:xfrm>
+          <a:off x="0" y="0"/>
+          <a:ext cx="0" cy="0"/>
+          <a:chOff x="0" y="0"/>
+          <a:chExt cx="0" cy="0"/>
+        </a:xfrm>
+      </p:grpSpPr>
+      <p:sp>
+        <p:nvSpPr>
+          <p:cNvPr id="2" name="Title 1">
+            <a:extLst>
+              <a:ext uri="{FF2B5EF4-FFF2-40B4-BE49-F238E27FC236}">
+                <a16:creationId xmlns:a16="http://schemas.microsoft.com/office/drawing/2014/main" id="{753DBCB4-A88A-43B7-9515-2FBD6A9D06A9}"/>
+              </a:ext>
+            </a:extLst>
+          </p:cNvPr>
+          <p:cNvSpPr>
+            <a:spLocks noGrp="1"/>
+          </p:cNvSpPr>
+          <p:nvPr>
+            <p:ph type="title"/>
+          </p:nvPr>
+        </p:nvSpPr>
+        <p:spPr/>
+        <p:txBody>
+          <a:bodyPr/>
+          <a:lstStyle/>
+          <a:p>
+            <a:r>
+              <a:rPr lang="en-US" dirty="0"/>
+              <a:t>Hal yang </a:t>
+            </a:r>
+            <a:r>
+              <a:rPr lang="en-US" dirty="0" err="1"/>
+              <a:t>Dapat</a:t>
+            </a:r>
+            <a:r>
+              <a:rPr lang="en-US" dirty="0"/>
+              <a:t> </a:t>
+            </a:r>
+            <a:r>
+              <a:rPr lang="en-US" dirty="0" err="1"/>
+              <a:t>Dikembangkan</a:t>
+            </a:r>
+            <a:endParaRPr lang="en-ID" dirty="0"/>
+          </a:p>
+        </p:txBody>
+      </p:sp>
+      <p:sp>
+        <p:nvSpPr>
+          <p:cNvPr id="3" name="Content Placeholder 2">
+            <a:extLst>
+              <a:ext uri="{FF2B5EF4-FFF2-40B4-BE49-F238E27FC236}">
+                <a16:creationId xmlns:a16="http://schemas.microsoft.com/office/drawing/2014/main" id="{F1EC7DDC-DBF7-424A-B482-B5E697F80097}"/>
+              </a:ext>
+            </a:extLst>
+          </p:cNvPr>
+          <p:cNvSpPr>
+            <a:spLocks noGrp="1"/>
+          </p:cNvSpPr>
+          <p:nvPr>
+            <p:ph idx="1"/>
+          </p:nvPr>
+        </p:nvSpPr>
+        <p:spPr/>
+        <p:txBody>
+          <a:bodyPr/>
+          <a:lstStyle/>
+          <a:p>
+            <a:r>
+              <a:rPr lang="en-US" dirty="0"/>
+              <a:t>Design: </a:t>
+            </a:r>
+            <a:r>
+              <a:rPr lang="en-US" dirty="0" err="1"/>
+              <a:t>pemilihan</a:t>
+            </a:r>
+            <a:r>
+              <a:rPr lang="en-US" dirty="0"/>
+              <a:t> </a:t>
+            </a:r>
+            <a:r>
+              <a:rPr lang="en-US" dirty="0" err="1"/>
+              <a:t>warna</a:t>
+            </a:r>
+            <a:r>
+              <a:rPr lang="en-US" dirty="0"/>
+              <a:t>, background carousel, footer, font</a:t>
+            </a:r>
+          </a:p>
+          <a:p>
+            <a:r>
+              <a:rPr lang="en-US" dirty="0"/>
+              <a:t>Button: </a:t>
+            </a:r>
+            <a:r>
+              <a:rPr lang="en-US" dirty="0" err="1"/>
+              <a:t>floatbutton</a:t>
+            </a:r>
+            <a:r>
+              <a:rPr lang="en-US" dirty="0"/>
+              <a:t> dan </a:t>
+            </a:r>
+            <a:r>
+              <a:rPr lang="en-US"/>
+              <a:t>navbar buttons</a:t>
+            </a:r>
+            <a:endParaRPr lang="en-ID" dirty="0"/>
+          </a:p>
+        </p:txBody>
+      </p:sp>
+    </p:spTree>
+    <p:extLst>
+      <p:ext uri="{BB962C8B-B14F-4D97-AF65-F5344CB8AC3E}">
+        <p14:creationId xmlns:p14="http://schemas.microsoft.com/office/powerpoint/2010/main" val="1780540951"/>
       </p:ext>
     </p:extLst>
   </p:cSld>
